--- a/assets/document/소니코리아 DOA 시스템 개발.pptx
+++ b/assets/document/소니코리아 DOA 시스템 개발.pptx
@@ -104,6 +104,11 @@
       </a:defRPr>
     </a:lvl9pPr>
   </p:defaultTextStyle>
+  <p:extLst>
+    <p:ext uri="{EFAFB233-063F-42B5-8137-9DF3F51BA10A}">
+      <p15:sldGuideLst xmlns:p15="http://schemas.microsoft.com/office/powerpoint/2012/main"/>
+    </p:ext>
+  </p:extLst>
 </p:presentation>
 </file>
 
@@ -1126,18 +1131,18 @@
     </dgm:pt>
   </dgm:ptLst>
   <dgm:cxnLst>
+    <dgm:cxn modelId="{C46DF51F-330A-41C1-B090-DEF1D68C31A0}" type="presOf" srcId="{0B675A86-B710-4408-ADC3-C4B7F134F34F}" destId="{A7E44411-07C4-4F94-9177-C4ACD27D99C0}" srcOrd="0" destOrd="0" presId="urn:microsoft.com/office/officeart/2005/8/layout/equation2"/>
+    <dgm:cxn modelId="{B5BC9C14-EFC3-4406-B609-19C63EA88215}" type="presOf" srcId="{FDFBFD30-3007-43A7-9AB6-579CBBEDAA00}" destId="{1BBEC6BB-6D9C-46A8-A39C-CF02254027E1}" srcOrd="0" destOrd="0" presId="urn:microsoft.com/office/officeart/2005/8/layout/equation2"/>
+    <dgm:cxn modelId="{16B053F7-4A16-497B-A3D9-732E2DE92BBF}" srcId="{87F94BCD-3991-4812-85E7-99E14533711E}" destId="{711DF181-46AE-40EB-B135-4F3B63AD2E6F}" srcOrd="2" destOrd="0" parTransId="{5C7C717A-5905-440E-9862-5C4DF7C1E497}" sibTransId="{BED74AE7-D7A0-487A-AA32-7E2281545AE4}"/>
+    <dgm:cxn modelId="{05953C84-6277-4B0B-81C2-4DAB1BA7049A}" type="presOf" srcId="{87F94BCD-3991-4812-85E7-99E14533711E}" destId="{F7CD666D-6377-43EB-B1A7-2D804A093ECB}" srcOrd="0" destOrd="0" presId="urn:microsoft.com/office/officeart/2005/8/layout/equation2"/>
+    <dgm:cxn modelId="{5ADE0BFA-52C2-4BE5-9A95-491BDA23C082}" type="presOf" srcId="{525DAA8B-D257-45D2-94EA-AE28989EF458}" destId="{E7513070-4E2E-4CA6-9020-5BB7E9C66E4B}" srcOrd="0" destOrd="0" presId="urn:microsoft.com/office/officeart/2005/8/layout/equation2"/>
+    <dgm:cxn modelId="{AE2CB123-285F-4284-A88C-48DE4EEC5ADE}" type="presOf" srcId="{BED74AE7-D7A0-487A-AA32-7E2281545AE4}" destId="{A70AD46E-215B-4276-AABC-19418E5D557D}" srcOrd="1" destOrd="0" presId="urn:microsoft.com/office/officeart/2005/8/layout/equation2"/>
+    <dgm:cxn modelId="{F2DB5500-AA79-4F3D-9947-CBD26A2A2713}" srcId="{87F94BCD-3991-4812-85E7-99E14533711E}" destId="{AA3C57E2-0FE6-42F4-BF05-50BA09FCA0FC}" srcOrd="3" destOrd="0" parTransId="{BB521E0B-3226-4857-8449-BA8C2C30E920}" sibTransId="{680D834F-E381-428F-9338-18F0DD2E20E0}"/>
     <dgm:cxn modelId="{3FC23AA6-BC79-40E6-91EC-D1BB76B0AF9C}" type="presOf" srcId="{BED74AE7-D7A0-487A-AA32-7E2281545AE4}" destId="{11256227-FAD9-473E-A19B-24E5CE428AC7}" srcOrd="0" destOrd="0" presId="urn:microsoft.com/office/officeart/2005/8/layout/equation2"/>
     <dgm:cxn modelId="{38DCAAE6-2DE5-41A7-B1A1-DB6A0695CB8E}" type="presOf" srcId="{32A4CCFC-5B2B-4C3A-82DA-859C668CAFF3}" destId="{4DE0726A-2EAE-4015-A2EC-B0584A83304B}" srcOrd="0" destOrd="0" presId="urn:microsoft.com/office/officeart/2005/8/layout/equation2"/>
-    <dgm:cxn modelId="{5ADE0BFA-52C2-4BE5-9A95-491BDA23C082}" type="presOf" srcId="{525DAA8B-D257-45D2-94EA-AE28989EF458}" destId="{E7513070-4E2E-4CA6-9020-5BB7E9C66E4B}" srcOrd="0" destOrd="0" presId="urn:microsoft.com/office/officeart/2005/8/layout/equation2"/>
-    <dgm:cxn modelId="{05953C84-6277-4B0B-81C2-4DAB1BA7049A}" type="presOf" srcId="{87F94BCD-3991-4812-85E7-99E14533711E}" destId="{F7CD666D-6377-43EB-B1A7-2D804A093ECB}" srcOrd="0" destOrd="0" presId="urn:microsoft.com/office/officeart/2005/8/layout/equation2"/>
-    <dgm:cxn modelId="{AE2CB123-285F-4284-A88C-48DE4EEC5ADE}" type="presOf" srcId="{BED74AE7-D7A0-487A-AA32-7E2281545AE4}" destId="{A70AD46E-215B-4276-AABC-19418E5D557D}" srcOrd="1" destOrd="0" presId="urn:microsoft.com/office/officeart/2005/8/layout/equation2"/>
-    <dgm:cxn modelId="{C46DF51F-330A-41C1-B090-DEF1D68C31A0}" type="presOf" srcId="{0B675A86-B710-4408-ADC3-C4B7F134F34F}" destId="{A7E44411-07C4-4F94-9177-C4ACD27D99C0}" srcOrd="0" destOrd="0" presId="urn:microsoft.com/office/officeart/2005/8/layout/equation2"/>
-    <dgm:cxn modelId="{B5BC9C14-EFC3-4406-B609-19C63EA88215}" type="presOf" srcId="{FDFBFD30-3007-43A7-9AB6-579CBBEDAA00}" destId="{1BBEC6BB-6D9C-46A8-A39C-CF02254027E1}" srcOrd="0" destOrd="0" presId="urn:microsoft.com/office/officeart/2005/8/layout/equation2"/>
+    <dgm:cxn modelId="{63E69595-23EE-4337-AEA3-2CAA59EC5074}" srcId="{87F94BCD-3991-4812-85E7-99E14533711E}" destId="{FDFBFD30-3007-43A7-9AB6-579CBBEDAA00}" srcOrd="0" destOrd="0" parTransId="{87274F73-29F3-4CFC-8042-F21B332675E2}" sibTransId="{32A4CCFC-5B2B-4C3A-82DA-859C668CAFF3}"/>
     <dgm:cxn modelId="{790CDEB6-5E2E-442D-99DA-05403015F1C5}" type="presOf" srcId="{711DF181-46AE-40EB-B135-4F3B63AD2E6F}" destId="{8CD6206E-1856-450D-8914-69F02CCB8A75}" srcOrd="0" destOrd="0" presId="urn:microsoft.com/office/officeart/2005/8/layout/equation2"/>
-    <dgm:cxn modelId="{63E69595-23EE-4337-AEA3-2CAA59EC5074}" srcId="{87F94BCD-3991-4812-85E7-99E14533711E}" destId="{FDFBFD30-3007-43A7-9AB6-579CBBEDAA00}" srcOrd="0" destOrd="0" parTransId="{87274F73-29F3-4CFC-8042-F21B332675E2}" sibTransId="{32A4CCFC-5B2B-4C3A-82DA-859C668CAFF3}"/>
     <dgm:cxn modelId="{CF6ACEAC-DB10-4850-B8C8-30E141C55A13}" type="presOf" srcId="{AA3C57E2-0FE6-42F4-BF05-50BA09FCA0FC}" destId="{3224DC71-6814-4041-803E-87C943F427A5}" srcOrd="0" destOrd="0" presId="urn:microsoft.com/office/officeart/2005/8/layout/equation2"/>
-    <dgm:cxn modelId="{16B053F7-4A16-497B-A3D9-732E2DE92BBF}" srcId="{87F94BCD-3991-4812-85E7-99E14533711E}" destId="{711DF181-46AE-40EB-B135-4F3B63AD2E6F}" srcOrd="2" destOrd="0" parTransId="{5C7C717A-5905-440E-9862-5C4DF7C1E497}" sibTransId="{BED74AE7-D7A0-487A-AA32-7E2281545AE4}"/>
-    <dgm:cxn modelId="{F2DB5500-AA79-4F3D-9947-CBD26A2A2713}" srcId="{87F94BCD-3991-4812-85E7-99E14533711E}" destId="{AA3C57E2-0FE6-42F4-BF05-50BA09FCA0FC}" srcOrd="3" destOrd="0" parTransId="{BB521E0B-3226-4857-8449-BA8C2C30E920}" sibTransId="{680D834F-E381-428F-9338-18F0DD2E20E0}"/>
     <dgm:cxn modelId="{2A601953-A8E1-48C8-B748-D6BE80FAEB31}" srcId="{87F94BCD-3991-4812-85E7-99E14533711E}" destId="{525DAA8B-D257-45D2-94EA-AE28989EF458}" srcOrd="1" destOrd="0" parTransId="{3ED679CC-0B5A-48E7-8761-9292255C8CC0}" sibTransId="{0B675A86-B710-4408-ADC3-C4B7F134F34F}"/>
     <dgm:cxn modelId="{EDC26657-4E26-40C6-8655-417010C35920}" type="presParOf" srcId="{F7CD666D-6377-43EB-B1A7-2D804A093ECB}" destId="{A1C535A4-5794-4FA9-863D-0874E31C1DC2}" srcOrd="0" destOrd="0" presId="urn:microsoft.com/office/officeart/2005/8/layout/equation2"/>
     <dgm:cxn modelId="{5E472458-516B-4998-BA8F-90F028AC0571}" type="presParOf" srcId="{A1C535A4-5794-4FA9-863D-0874E31C1DC2}" destId="{1BBEC6BB-6D9C-46A8-A39C-CF02254027E1}" srcOrd="0" destOrd="0" presId="urn:microsoft.com/office/officeart/2005/8/layout/equation2"/>
@@ -3030,7 +3035,6 @@
               <a:rPr lang="ko-KR" altLang="en-US"/>
               <a:t>마스터 제목 스타일 편집</a:t>
             </a:r>
-            <a:endParaRPr lang="ko-KR" altLang="en-US"/>
           </a:p>
         </p:txBody>
       </p:sp>
@@ -3095,7 +3099,6 @@
               <a:rPr lang="ko-KR" altLang="en-US"/>
               <a:t>클릭하여 마스터 부제목 스타일 편집</a:t>
             </a:r>
-            <a:endParaRPr lang="ko-KR" altLang="en-US"/>
           </a:p>
         </p:txBody>
       </p:sp>
@@ -3213,7 +3216,6 @@
               <a:rPr lang="ko-KR" altLang="en-US"/>
               <a:t>마스터 제목 스타일 편집</a:t>
             </a:r>
-            <a:endParaRPr lang="ko-KR" altLang="en-US"/>
           </a:p>
         </p:txBody>
       </p:sp>
@@ -3265,7 +3267,6 @@
               <a:rPr lang="ko-KR" altLang="en-US"/>
               <a:t>다섯째 수준</a:t>
             </a:r>
-            <a:endParaRPr lang="ko-KR" altLang="en-US"/>
           </a:p>
         </p:txBody>
       </p:sp>
@@ -3388,7 +3389,6 @@
               <a:rPr lang="ko-KR" altLang="en-US"/>
               <a:t>마스터 제목 스타일 편집</a:t>
             </a:r>
-            <a:endParaRPr lang="ko-KR" altLang="en-US"/>
           </a:p>
         </p:txBody>
       </p:sp>
@@ -3445,7 +3445,6 @@
               <a:rPr lang="ko-KR" altLang="en-US"/>
               <a:t>다섯째 수준</a:t>
             </a:r>
-            <a:endParaRPr lang="ko-KR" altLang="en-US"/>
           </a:p>
         </p:txBody>
       </p:sp>
@@ -3563,7 +3562,6 @@
               <a:rPr lang="ko-KR" altLang="en-US"/>
               <a:t>마스터 제목 스타일 편집</a:t>
             </a:r>
-            <a:endParaRPr lang="ko-KR" altLang="en-US"/>
           </a:p>
         </p:txBody>
       </p:sp>
@@ -3615,7 +3613,6 @@
               <a:rPr lang="ko-KR" altLang="en-US"/>
               <a:t>다섯째 수준</a:t>
             </a:r>
-            <a:endParaRPr lang="ko-KR" altLang="en-US"/>
           </a:p>
         </p:txBody>
       </p:sp>
@@ -3742,7 +3739,6 @@
               <a:rPr lang="ko-KR" altLang="en-US"/>
               <a:t>마스터 제목 스타일 편집</a:t>
             </a:r>
-            <a:endParaRPr lang="ko-KR" altLang="en-US"/>
           </a:p>
         </p:txBody>
       </p:sp>
@@ -3979,7 +3975,6 @@
               <a:rPr lang="ko-KR" altLang="en-US"/>
               <a:t>마스터 제목 스타일 편집</a:t>
             </a:r>
-            <a:endParaRPr lang="ko-KR" altLang="en-US"/>
           </a:p>
         </p:txBody>
       </p:sp>
@@ -4036,7 +4031,6 @@
               <a:rPr lang="ko-KR" altLang="en-US"/>
               <a:t>다섯째 수준</a:t>
             </a:r>
-            <a:endParaRPr lang="ko-KR" altLang="en-US"/>
           </a:p>
         </p:txBody>
       </p:sp>
@@ -4093,7 +4087,6 @@
               <a:rPr lang="ko-KR" altLang="en-US"/>
               <a:t>다섯째 수준</a:t>
             </a:r>
-            <a:endParaRPr lang="ko-KR" altLang="en-US"/>
           </a:p>
         </p:txBody>
       </p:sp>
@@ -4216,7 +4209,6 @@
               <a:rPr lang="ko-KR" altLang="en-US"/>
               <a:t>마스터 제목 스타일 편집</a:t>
             </a:r>
-            <a:endParaRPr lang="ko-KR" altLang="en-US"/>
           </a:p>
         </p:txBody>
       </p:sp>
@@ -4338,7 +4330,6 @@
               <a:rPr lang="ko-KR" altLang="en-US"/>
               <a:t>다섯째 수준</a:t>
             </a:r>
-            <a:endParaRPr lang="ko-KR" altLang="en-US"/>
           </a:p>
         </p:txBody>
       </p:sp>
@@ -4460,7 +4451,6 @@
               <a:rPr lang="ko-KR" altLang="en-US"/>
               <a:t>다섯째 수준</a:t>
             </a:r>
-            <a:endParaRPr lang="ko-KR" altLang="en-US"/>
           </a:p>
         </p:txBody>
       </p:sp>
@@ -4578,7 +4568,6 @@
               <a:rPr lang="ko-KR" altLang="en-US"/>
               <a:t>마스터 제목 스타일 편집</a:t>
             </a:r>
-            <a:endParaRPr lang="ko-KR" altLang="en-US"/>
           </a:p>
         </p:txBody>
       </p:sp>
@@ -4800,7 +4789,6 @@
               <a:rPr lang="ko-KR" altLang="en-US"/>
               <a:t>마스터 제목 스타일 편집</a:t>
             </a:r>
-            <a:endParaRPr lang="ko-KR" altLang="en-US"/>
           </a:p>
         </p:txBody>
       </p:sp>
@@ -4885,7 +4873,6 @@
               <a:rPr lang="ko-KR" altLang="en-US"/>
               <a:t>다섯째 수준</a:t>
             </a:r>
-            <a:endParaRPr lang="ko-KR" altLang="en-US"/>
           </a:p>
         </p:txBody>
       </p:sp>
@@ -5077,7 +5064,6 @@
               <a:rPr lang="ko-KR" altLang="en-US"/>
               <a:t>마스터 제목 스타일 편집</a:t>
             </a:r>
-            <a:endParaRPr lang="ko-KR" altLang="en-US"/>
           </a:p>
         </p:txBody>
       </p:sp>
@@ -5336,7 +5322,6 @@
               <a:rPr lang="ko-KR" altLang="en-US"/>
               <a:t>마스터 제목 스타일 편집</a:t>
             </a:r>
-            <a:endParaRPr lang="ko-KR" altLang="en-US"/>
           </a:p>
         </p:txBody>
       </p:sp>
@@ -5398,7 +5383,6 @@
               <a:rPr lang="ko-KR" altLang="en-US"/>
               <a:t>다섯째 수준</a:t>
             </a:r>
-            <a:endParaRPr lang="ko-KR" altLang="en-US"/>
           </a:p>
         </p:txBody>
       </p:sp>
@@ -5922,8 +5906,8 @@
         </p:nvSpPr>
         <p:spPr>
           <a:xfrm>
-            <a:off x="6719037" y="963382"/>
-            <a:ext cx="2597246" cy="646331"/>
+            <a:off x="6453996" y="963382"/>
+            <a:ext cx="3104585" cy="1015663"/>
           </a:xfrm>
           <a:prstGeom prst="rect">
             <a:avLst/>
@@ -5942,26 +5926,46 @@
             <a:r>
               <a:rPr lang="en-US" altLang="ko-KR" sz="1200" b="1" dirty="0">
                 <a:solidFill>
-                  <a:schemeClr val="accent6">
+                  <a:schemeClr val="accent1">
                     <a:lumMod val="75000"/>
                   </a:schemeClr>
                 </a:solidFill>
               </a:rPr>
-              <a:t>Sap Connector </a:t>
+              <a:t>Sap RFC </a:t>
             </a:r>
             <a:r>
               <a:rPr lang="ko-KR" altLang="en-US" sz="1200" b="1" dirty="0">
                 <a:solidFill>
-                  <a:schemeClr val="accent6">
+                  <a:schemeClr val="accent1">
                     <a:lumMod val="75000"/>
                   </a:schemeClr>
                 </a:solidFill>
               </a:rPr>
-              <a:t>생성</a:t>
+              <a:t>개발</a:t>
+            </a:r>
+            <a:r>
+              <a:rPr lang="en-US" altLang="ko-KR" sz="1200" b="1" dirty="0">
+                <a:solidFill>
+                  <a:schemeClr val="accent1">
+                    <a:lumMod val="75000"/>
+                  </a:schemeClr>
+                </a:solidFill>
+              </a:rPr>
+              <a:t>, </a:t>
+            </a:r>
+            <a:r>
+              <a:rPr lang="ko-KR" altLang="en-US" sz="1200" b="1" dirty="0">
+                <a:solidFill>
+                  <a:schemeClr val="accent1">
+                    <a:lumMod val="75000"/>
+                  </a:schemeClr>
+                </a:solidFill>
+              </a:rPr>
+              <a:t>호출을 통한 데이터 연동</a:t>
             </a:r>
             <a:endParaRPr lang="en-US" altLang="ko-KR" sz="1200" b="1" dirty="0">
               <a:solidFill>
-                <a:schemeClr val="accent6">
+                <a:schemeClr val="accent1">
                   <a:lumMod val="75000"/>
                 </a:schemeClr>
               </a:solidFill>
@@ -5973,19 +5977,19 @@
               <a:buChar char="-"/>
             </a:pPr>
             <a:r>
-              <a:rPr lang="en-US" altLang="ko-KR" sz="1200" b="1" dirty="0" err="1">
+              <a:rPr lang="ko-KR" altLang="en-US" sz="1200" b="1" dirty="0">
                 <a:solidFill>
-                  <a:schemeClr val="accent6">
+                  <a:schemeClr val="accent1">
                     <a:lumMod val="75000"/>
                   </a:schemeClr>
                 </a:solidFill>
               </a:rPr>
-              <a:t>Dll</a:t>
+              <a:t>시스템별 데이터 통계를 위한 설계</a:t>
             </a:r>
             <a:r>
               <a:rPr lang="en-US" altLang="ko-KR" sz="1200" b="1" dirty="0">
                 <a:solidFill>
-                  <a:schemeClr val="accent6">
+                  <a:schemeClr val="accent1">
                     <a:lumMod val="75000"/>
                   </a:schemeClr>
                 </a:solidFill>
@@ -5995,16 +5999,16 @@
             <a:r>
               <a:rPr lang="ko-KR" altLang="en-US" sz="1200" b="1" dirty="0">
                 <a:solidFill>
-                  <a:schemeClr val="accent6">
+                  <a:schemeClr val="accent1">
                     <a:lumMod val="75000"/>
                   </a:schemeClr>
                 </a:solidFill>
               </a:rPr>
-              <a:t>호출방식의 데이터 송수신</a:t>
+              <a:t>및</a:t>
             </a:r>
             <a:endParaRPr lang="en-US" altLang="ko-KR" sz="1200" b="1" dirty="0">
               <a:solidFill>
-                <a:schemeClr val="accent6">
+                <a:schemeClr val="accent1">
                   <a:lumMod val="75000"/>
                 </a:schemeClr>
               </a:solidFill>
@@ -6018,22 +6022,87 @@
             <a:r>
               <a:rPr lang="ko-KR" altLang="en-US" sz="1200" b="1" dirty="0">
                 <a:solidFill>
-                  <a:schemeClr val="accent6">
+                  <a:schemeClr val="accent1">
                     <a:lumMod val="75000"/>
                   </a:schemeClr>
                 </a:solidFill>
               </a:rPr>
-              <a:t>연동데이터 </a:t>
+              <a:t>조회 가능한 관리페이지 생성</a:t>
             </a:r>
             <a:r>
               <a:rPr lang="en-US" altLang="ko-KR" sz="1200" b="1" dirty="0">
                 <a:solidFill>
-                  <a:schemeClr val="accent6">
+                  <a:schemeClr val="accent1">
                     <a:lumMod val="75000"/>
                   </a:schemeClr>
                 </a:solidFill>
               </a:rPr>
-              <a:t>DB Control</a:t>
+              <a:t>. </a:t>
+            </a:r>
+          </a:p>
+          <a:p>
+            <a:pPr marL="171450" indent="-171450">
+              <a:buFontTx/>
+              <a:buChar char="-"/>
+            </a:pPr>
+            <a:r>
+              <a:rPr lang="en-US" altLang="ko-KR" sz="1200" b="1" dirty="0">
+                <a:solidFill>
+                  <a:schemeClr val="accent1">
+                    <a:lumMod val="75000"/>
+                  </a:schemeClr>
+                </a:solidFill>
+              </a:rPr>
+              <a:t>Java </a:t>
+            </a:r>
+            <a:r>
+              <a:rPr lang="ko-KR" altLang="en-US" sz="1200" b="1" dirty="0">
+                <a:solidFill>
+                  <a:schemeClr val="accent1">
+                    <a:lumMod val="75000"/>
+                  </a:schemeClr>
+                </a:solidFill>
+              </a:rPr>
+              <a:t>시스템 담당자와의 협업을 통한</a:t>
+            </a:r>
+            <a:endParaRPr lang="en-US" altLang="ko-KR" sz="1200" b="1" dirty="0">
+              <a:solidFill>
+                <a:schemeClr val="accent1">
+                  <a:lumMod val="75000"/>
+                </a:schemeClr>
+              </a:solidFill>
+            </a:endParaRPr>
+          </a:p>
+          <a:p>
+            <a:r>
+              <a:rPr lang="en-US" altLang="ko-KR" sz="1200" b="1" dirty="0">
+                <a:solidFill>
+                  <a:schemeClr val="accent1">
+                    <a:lumMod val="75000"/>
+                  </a:schemeClr>
+                </a:solidFill>
+              </a:rPr>
+              <a:t>-  </a:t>
+            </a:r>
+            <a:r>
+              <a:rPr lang="ko-KR" altLang="en-US" sz="1200" b="1" dirty="0">
+                <a:solidFill>
+                  <a:schemeClr val="accent1">
+                    <a:lumMod val="75000"/>
+                  </a:schemeClr>
+                </a:solidFill>
+              </a:rPr>
+              <a:t>통계자료 연동</a:t>
+            </a:r>
+            <a:r>
+              <a:rPr lang="en-US" altLang="ko-KR" sz="1200" b="1" dirty="0">
+                <a:solidFill>
+                  <a:schemeClr val="accent1">
+                    <a:lumMod val="75000"/>
+                  </a:schemeClr>
+                </a:solidFill>
+              </a:rPr>
+              <a:t>.</a:t>
             </a:r>
           </a:p>
         </p:txBody>
@@ -6087,13 +6156,13 @@
           <p:nvPr>
             <p:extLst>
               <p:ext uri="{D42A27DB-BD31-4B8C-83A1-F6EECF244321}">
-                <p14:modId xmlns:p14="http://schemas.microsoft.com/office/powerpoint/2010/main" val="2451458413"/>
+                <p14:modId xmlns:p14="http://schemas.microsoft.com/office/powerpoint/2010/main" val="2263386477"/>
               </p:ext>
             </p:extLst>
           </p:nvPr>
         </p:nvGraphicFramePr>
         <p:xfrm>
-          <a:off x="2927200" y="1457948"/>
+          <a:off x="2662160" y="1457948"/>
           <a:ext cx="6746238" cy="4497492"/>
         </p:xfrm>
         <a:graphic>
@@ -6125,7 +6194,7 @@
         </p:blipFill>
         <p:spPr bwMode="auto">
           <a:xfrm>
-            <a:off x="5370200" y="1688862"/>
+            <a:off x="5105160" y="1688862"/>
             <a:ext cx="411486" cy="523601"/>
           </a:xfrm>
           <a:prstGeom prst="rect">
@@ -6179,7 +6248,7 @@
         </p:blipFill>
         <p:spPr bwMode="auto">
           <a:xfrm>
-            <a:off x="5370200" y="3444893"/>
+            <a:off x="5105160" y="3444893"/>
             <a:ext cx="411486" cy="523601"/>
           </a:xfrm>
           <a:prstGeom prst="rect">
@@ -6233,7 +6302,7 @@
         </p:blipFill>
         <p:spPr bwMode="auto">
           <a:xfrm>
-            <a:off x="5370200" y="5195958"/>
+            <a:off x="5105160" y="5195958"/>
             <a:ext cx="411486" cy="523601"/>
           </a:xfrm>
           <a:prstGeom prst="rect">
@@ -6272,7 +6341,7 @@
         </p:nvGrpSpPr>
         <p:grpSpPr>
           <a:xfrm>
-            <a:off x="8354914" y="3520434"/>
+            <a:off x="8089874" y="3520434"/>
             <a:ext cx="411989" cy="372518"/>
             <a:chOff x="2900472" y="2045205"/>
             <a:chExt cx="411989" cy="372518"/>
@@ -6389,7 +6458,7 @@
         </p:nvSpPr>
         <p:spPr>
           <a:xfrm>
-            <a:off x="8794060" y="2705298"/>
+            <a:off x="8529020" y="2705298"/>
             <a:ext cx="2002789" cy="2002789"/>
           </a:xfrm>
           <a:prstGeom prst="ellipse">
@@ -6424,7 +6493,7 @@
         </p:nvSpPr>
         <p:spPr>
           <a:xfrm>
-            <a:off x="8774697" y="3201317"/>
+            <a:off x="8509657" y="3201317"/>
             <a:ext cx="2030492" cy="1200329"/>
           </a:xfrm>
           <a:prstGeom prst="rect">
@@ -6557,7 +6626,7 @@
         </p:nvCxnSpPr>
         <p:spPr>
           <a:xfrm flipV="1">
-            <a:off x="5978956" y="1709531"/>
+            <a:off x="5713916" y="1709531"/>
             <a:ext cx="792910" cy="1779391"/>
           </a:xfrm>
           <a:prstGeom prst="straightConnector1">
@@ -6596,7 +6665,7 @@
         </p:nvCxnSpPr>
         <p:spPr>
           <a:xfrm>
-            <a:off x="8017660" y="4558747"/>
+            <a:off x="7752620" y="4558747"/>
             <a:ext cx="874553" cy="899011"/>
           </a:xfrm>
           <a:prstGeom prst="straightConnector1">
@@ -6635,8 +6704,8 @@
         </p:nvSpPr>
         <p:spPr>
           <a:xfrm>
-            <a:off x="8892213" y="5234785"/>
-            <a:ext cx="2597246" cy="461665"/>
+            <a:off x="8627173" y="5234785"/>
+            <a:ext cx="2888966" cy="646331"/>
           </a:xfrm>
           <a:prstGeom prst="rect">
             <a:avLst/>
@@ -6655,7 +6724,7 @@
             <a:r>
               <a:rPr lang="en-US" altLang="ko-KR" sz="1200" b="1" dirty="0">
                 <a:solidFill>
-                  <a:schemeClr val="accent6">
+                  <a:schemeClr val="accent2">
                     <a:lumMod val="75000"/>
                   </a:schemeClr>
                 </a:solidFill>
@@ -6665,7 +6734,7 @@
             <a:r>
               <a:rPr lang="ko-KR" altLang="en-US" sz="1200" b="1" dirty="0">
                 <a:solidFill>
-                  <a:schemeClr val="accent6">
+                  <a:schemeClr val="accent2">
                     <a:lumMod val="75000"/>
                   </a:schemeClr>
                 </a:solidFill>
@@ -6674,7 +6743,7 @@
             </a:r>
             <a:endParaRPr lang="en-US" altLang="ko-KR" sz="1200" b="1" dirty="0">
               <a:solidFill>
-                <a:schemeClr val="accent6">
+                <a:schemeClr val="accent2">
                   <a:lumMod val="75000"/>
                 </a:schemeClr>
               </a:solidFill>
@@ -6688,12 +6757,95 @@
             <a:r>
               <a:rPr lang="ko-KR" altLang="en-US" sz="1200" b="1" dirty="0">
                 <a:solidFill>
-                  <a:schemeClr val="accent6">
+                  <a:schemeClr val="accent2">
+                    <a:lumMod val="75000"/>
+                  </a:schemeClr>
+                </a:solidFill>
+              </a:rPr>
+              <a:t>신규 </a:t>
+            </a:r>
+            <a:r>
+              <a:rPr lang="en-US" altLang="ko-KR" sz="1200" b="1" dirty="0">
+                <a:solidFill>
+                  <a:schemeClr val="accent2">
+                    <a:lumMod val="75000"/>
+                  </a:schemeClr>
+                </a:solidFill>
+              </a:rPr>
+              <a:t>DB</a:t>
+            </a:r>
+            <a:r>
+              <a:rPr lang="ko-KR" altLang="en-US" sz="1200" b="1" dirty="0">
+                <a:solidFill>
+                  <a:schemeClr val="accent2">
+                    <a:lumMod val="75000"/>
+                  </a:schemeClr>
+                </a:solidFill>
+              </a:rPr>
+              <a:t>서버 구축 및</a:t>
+            </a:r>
+            <a:endParaRPr lang="en-US" altLang="ko-KR" sz="1200" b="1" dirty="0">
+              <a:solidFill>
+                <a:schemeClr val="accent2">
+                  <a:lumMod val="75000"/>
+                </a:schemeClr>
+              </a:solidFill>
+            </a:endParaRPr>
+          </a:p>
+          <a:p>
+            <a:pPr marL="171450" indent="-171450">
+              <a:buFontTx/>
+              <a:buChar char="-"/>
+            </a:pPr>
+            <a:r>
+              <a:rPr lang="ko-KR" altLang="en-US" sz="1200" b="1" dirty="0">
+                <a:solidFill>
+                  <a:schemeClr val="accent2">
                     <a:lumMod val="75000"/>
                   </a:schemeClr>
                 </a:solidFill>
               </a:rPr>
               <a:t>데이터 마이그레이션</a:t>
+            </a:r>
+            <a:r>
+              <a:rPr lang="en-US" altLang="ko-KR" sz="1200" b="1" dirty="0">
+                <a:solidFill>
+                  <a:schemeClr val="accent2">
+                    <a:lumMod val="75000"/>
+                  </a:schemeClr>
+                </a:solidFill>
+              </a:rPr>
+              <a:t>. (</a:t>
+            </a:r>
+            <a:r>
+              <a:rPr lang="ko-KR" altLang="en-US" sz="1200" b="1" dirty="0">
+                <a:solidFill>
+                  <a:schemeClr val="accent2">
+                    <a:lumMod val="75000"/>
+                  </a:schemeClr>
+                </a:solidFill>
+              </a:rPr>
+              <a:t>백업</a:t>
+            </a:r>
+            <a:r>
+              <a:rPr lang="en-US" altLang="ko-KR" sz="1200" b="1" dirty="0">
+                <a:solidFill>
+                  <a:schemeClr val="accent2">
+                    <a:lumMod val="75000"/>
+                  </a:schemeClr>
+                </a:solidFill>
+              </a:rPr>
+              <a:t>&amp;</a:t>
+            </a:r>
+            <a:r>
+              <a:rPr lang="ko-KR" altLang="en-US" sz="1200" b="1" dirty="0">
+                <a:solidFill>
+                  <a:schemeClr val="accent2">
+                    <a:lumMod val="75000"/>
+                  </a:schemeClr>
+                </a:solidFill>
+              </a:rPr>
+              <a:t>복원</a:t>
             </a:r>
             <a:r>
               <a:rPr lang="en-US" altLang="ko-KR" sz="1200" b="1" dirty="0">
@@ -6703,7 +6855,7 @@
                   </a:schemeClr>
                 </a:solidFill>
               </a:rPr>
-              <a:t>.</a:t>
+              <a:t>)</a:t>
             </a:r>
           </a:p>
         </p:txBody>
@@ -6717,7 +6869,7 @@
         <p:spPr>
           <a:xfrm>
             <a:off x="318052" y="917215"/>
-            <a:ext cx="4628126" cy="1200329"/>
+            <a:ext cx="4131580" cy="1077218"/>
           </a:xfrm>
           <a:prstGeom prst="rect">
             <a:avLst/>
@@ -6731,76 +6883,239 @@
           <a:lstStyle/>
           <a:p>
             <a:r>
-              <a:rPr lang="en-US" altLang="ko-KR" dirty="0"/>
+              <a:rPr lang="en-US" altLang="ko-KR" sz="1600" dirty="0"/>
               <a:t>1. </a:t>
             </a:r>
             <a:r>
-              <a:rPr lang="ko-KR" altLang="en-US" dirty="0"/>
+              <a:rPr lang="ko-KR" altLang="en-US" sz="1600" dirty="0"/>
               <a:t>타 업무 시스템을 </a:t>
             </a:r>
             <a:r>
-              <a:rPr lang="en-US" altLang="ko-KR" dirty="0"/>
+              <a:rPr lang="en-US" altLang="ko-KR" sz="1600" dirty="0"/>
               <a:t>DOA </a:t>
             </a:r>
             <a:r>
-              <a:rPr lang="ko-KR" altLang="en-US" dirty="0"/>
+              <a:rPr lang="ko-KR" altLang="en-US" sz="1600" dirty="0"/>
               <a:t>시스템으로 통합</a:t>
             </a:r>
             <a:r>
-              <a:rPr lang="en-US" altLang="ko-KR" dirty="0"/>
+              <a:rPr lang="en-US" altLang="ko-KR" sz="1600" dirty="0"/>
               <a:t>.</a:t>
             </a:r>
           </a:p>
           <a:p>
             <a:r>
-              <a:rPr lang="en-US" altLang="ko-KR" dirty="0"/>
+              <a:rPr lang="en-US" altLang="ko-KR" sz="1600" dirty="0"/>
               <a:t>2. </a:t>
             </a:r>
             <a:r>
-              <a:rPr lang="ko-KR" altLang="en-US" dirty="0"/>
+              <a:rPr lang="ko-KR" altLang="en-US" sz="1600" dirty="0"/>
               <a:t>관리페이지에서 시스템 별 관리</a:t>
             </a:r>
             <a:r>
-              <a:rPr lang="en-US" altLang="ko-KR" dirty="0"/>
+              <a:rPr lang="en-US" altLang="ko-KR" sz="1600" dirty="0"/>
               <a:t>.</a:t>
             </a:r>
           </a:p>
           <a:p>
             <a:r>
-              <a:rPr lang="en-US" altLang="ko-KR" dirty="0"/>
+              <a:rPr lang="en-US" altLang="ko-KR" sz="1600" dirty="0"/>
               <a:t>3. </a:t>
             </a:r>
             <a:r>
-              <a:rPr lang="ko-KR" altLang="en-US" dirty="0"/>
+              <a:rPr lang="ko-KR" altLang="en-US" sz="1600" dirty="0"/>
               <a:t>모바일 웹에서도 이용 가능</a:t>
             </a:r>
             <a:r>
-              <a:rPr lang="en-US" altLang="ko-KR" dirty="0"/>
+              <a:rPr lang="en-US" altLang="ko-KR" sz="1600" dirty="0"/>
               <a:t>.</a:t>
             </a:r>
           </a:p>
           <a:p>
             <a:r>
-              <a:rPr lang="en-US" altLang="ko-KR" dirty="0"/>
+              <a:rPr lang="en-US" altLang="ko-KR" sz="1600" dirty="0"/>
               <a:t>4. </a:t>
             </a:r>
             <a:r>
-              <a:rPr lang="ko-KR" altLang="en-US" dirty="0"/>
+              <a:rPr lang="ko-KR" altLang="en-US" sz="1600" dirty="0"/>
               <a:t>서버 증설에 따른 </a:t>
             </a:r>
             <a:r>
-              <a:rPr lang="en-US" altLang="ko-KR" dirty="0"/>
+              <a:rPr lang="en-US" altLang="ko-KR" sz="1600" dirty="0"/>
               <a:t>DB </a:t>
             </a:r>
             <a:r>
-              <a:rPr lang="ko-KR" altLang="en-US" dirty="0"/>
+              <a:rPr lang="ko-KR" altLang="en-US" sz="1600" dirty="0"/>
               <a:t>마이그레이션</a:t>
             </a:r>
             <a:r>
-              <a:rPr lang="en-US" altLang="ko-KR" dirty="0"/>
+              <a:rPr lang="en-US" altLang="ko-KR" sz="1600" dirty="0"/>
               <a:t>.</a:t>
             </a:r>
-            <a:endParaRPr lang="ko-KR" altLang="en-US" dirty="0"/>
+            <a:endParaRPr lang="ko-KR" altLang="en-US" sz="1600" dirty="0"/>
+          </a:p>
+        </p:txBody>
+      </p:sp>
+      <p:cxnSp>
+        <p:nvCxnSpPr>
+          <p:cNvPr id="19" name="직선 화살표 연결선 18"/>
+          <p:cNvCxnSpPr/>
+          <p:nvPr/>
+        </p:nvCxnSpPr>
+        <p:spPr>
+          <a:xfrm flipV="1">
+            <a:off x="8244756" y="2601290"/>
+            <a:ext cx="422357" cy="947824"/>
+          </a:xfrm>
+          <a:prstGeom prst="straightConnector1">
+            <a:avLst/>
+          </a:prstGeom>
+          <a:ln>
+            <a:solidFill>
+              <a:schemeClr val="accent1">
+                <a:lumMod val="40000"/>
+                <a:lumOff val="60000"/>
+              </a:schemeClr>
+            </a:solidFill>
+            <a:tailEnd type="triangle"/>
+          </a:ln>
+        </p:spPr>
+        <p:style>
+          <a:lnRef idx="1">
+            <a:schemeClr val="accent1"/>
+          </a:lnRef>
+          <a:fillRef idx="0">
+            <a:schemeClr val="accent1"/>
+          </a:fillRef>
+          <a:effectRef idx="0">
+            <a:schemeClr val="accent1"/>
+          </a:effectRef>
+          <a:fontRef idx="minor">
+            <a:schemeClr val="tx1"/>
+          </a:fontRef>
+        </p:style>
+      </p:cxnSp>
+      <p:sp>
+        <p:nvSpPr>
+          <p:cNvPr id="21" name="직사각형 20"/>
+          <p:cNvSpPr/>
+          <p:nvPr/>
+        </p:nvSpPr>
+        <p:spPr>
+          <a:xfrm>
+            <a:off x="8640609" y="2217285"/>
+            <a:ext cx="3488587" cy="461665"/>
+          </a:xfrm>
+          <a:prstGeom prst="rect">
+            <a:avLst/>
+          </a:prstGeom>
+        </p:spPr>
+        <p:txBody>
+          <a:bodyPr wrap="square">
+            <a:spAutoFit/>
+          </a:bodyPr>
+          <a:lstStyle/>
+          <a:p>
+            <a:pPr marL="171450" indent="-171450">
+              <a:buFontTx/>
+              <a:buChar char="-"/>
+            </a:pPr>
+            <a:r>
+              <a:rPr lang="ko-KR" altLang="en-US" sz="1200" b="1" dirty="0" err="1">
+                <a:solidFill>
+                  <a:schemeClr val="accent6">
+                    <a:lumMod val="75000"/>
+                  </a:schemeClr>
+                </a:solidFill>
+              </a:rPr>
+              <a:t>비용별</a:t>
+            </a:r>
+            <a:r>
+              <a:rPr lang="ko-KR" altLang="en-US" sz="1200" b="1" dirty="0">
+                <a:solidFill>
+                  <a:schemeClr val="accent6">
+                    <a:lumMod val="75000"/>
+                  </a:schemeClr>
+                </a:solidFill>
+              </a:rPr>
+              <a:t> 결재가능한 </a:t>
+            </a:r>
+            <a:r>
+              <a:rPr lang="ko-KR" altLang="en-US" sz="1200" b="1" dirty="0" err="1">
+                <a:solidFill>
+                  <a:schemeClr val="accent6">
+                    <a:lumMod val="75000"/>
+                  </a:schemeClr>
+                </a:solidFill>
+              </a:rPr>
+              <a:t>오토결재선</a:t>
+            </a:r>
+            <a:r>
+              <a:rPr lang="ko-KR" altLang="en-US" sz="1200" b="1" dirty="0">
+                <a:solidFill>
+                  <a:schemeClr val="accent6">
+                    <a:lumMod val="75000"/>
+                  </a:schemeClr>
+                </a:solidFill>
+              </a:rPr>
+              <a:t> 개발 </a:t>
+            </a:r>
+            <a:r>
+              <a:rPr lang="en-US" altLang="ko-KR" sz="1200" b="1" dirty="0">
+                <a:solidFill>
+                  <a:schemeClr val="accent6">
+                    <a:lumMod val="75000"/>
+                  </a:schemeClr>
+                </a:solidFill>
+              </a:rPr>
+              <a:t>(DB</a:t>
+            </a:r>
+            <a:r>
+              <a:rPr lang="ko-KR" altLang="en-US" sz="1200" b="1" dirty="0">
+                <a:solidFill>
+                  <a:schemeClr val="accent6">
+                    <a:lumMod val="75000"/>
+                  </a:schemeClr>
+                </a:solidFill>
+              </a:rPr>
+              <a:t>커서</a:t>
+            </a:r>
+            <a:r>
+              <a:rPr lang="en-US" altLang="ko-KR" sz="1200" b="1" dirty="0">
+                <a:solidFill>
+                  <a:schemeClr val="accent6">
+                    <a:lumMod val="75000"/>
+                  </a:schemeClr>
+                </a:solidFill>
+              </a:rPr>
+              <a:t>)</a:t>
+            </a:r>
+          </a:p>
+          <a:p>
+            <a:pPr marL="171450" indent="-171450">
+              <a:buFontTx/>
+              <a:buChar char="-"/>
+            </a:pPr>
+            <a:r>
+              <a:rPr lang="ko-KR" altLang="en-US" sz="1200" b="1" dirty="0">
+                <a:solidFill>
+                  <a:schemeClr val="accent6">
+                    <a:lumMod val="75000"/>
+                  </a:schemeClr>
+                </a:solidFill>
+              </a:rPr>
+              <a:t>엑셀파일로 오프라인 관리 가능한 기능 개발</a:t>
+            </a:r>
+            <a:r>
+              <a:rPr lang="en-US" altLang="ko-KR" sz="1200" b="1" dirty="0">
+                <a:solidFill>
+                  <a:schemeClr val="accent6">
+                    <a:lumMod val="75000"/>
+                  </a:schemeClr>
+                </a:solidFill>
+              </a:rPr>
+              <a:t>.</a:t>
+            </a:r>
           </a:p>
         </p:txBody>
       </p:sp>

--- a/assets/document/소니코리아 DOA 시스템 개발.pptx
+++ b/assets/document/소니코리아 DOA 시스템 개발.pptx
@@ -7021,16 +7021,6 @@
               <a:buChar char="-"/>
             </a:pPr>
             <a:r>
-              <a:rPr lang="ko-KR" altLang="en-US" sz="1200" b="1" dirty="0" err="1">
-                <a:solidFill>
-                  <a:schemeClr val="accent6">
-                    <a:lumMod val="75000"/>
-                  </a:schemeClr>
-                </a:solidFill>
-              </a:rPr>
-              <a:t>비용별</a:t>
-            </a:r>
-            <a:r>
               <a:rPr lang="ko-KR" altLang="en-US" sz="1200" b="1" dirty="0">
                 <a:solidFill>
                   <a:schemeClr val="accent6">
@@ -7038,17 +7028,17 @@
                   </a:schemeClr>
                 </a:solidFill>
               </a:rPr>
-              <a:t> 결재가능한 </a:t>
-            </a:r>
-            <a:r>
-              <a:rPr lang="ko-KR" altLang="en-US" sz="1200" b="1" dirty="0" err="1">
+              <a:t>비용 별 오토 결재선 개발 </a:t>
+            </a:r>
+            <a:r>
+              <a:rPr lang="en-US" altLang="ko-KR" sz="1200" b="1" dirty="0">
                 <a:solidFill>
                   <a:schemeClr val="accent6">
                     <a:lumMod val="75000"/>
                   </a:schemeClr>
                 </a:solidFill>
               </a:rPr>
-              <a:t>오토결재선</a:t>
+              <a:t>(DB </a:t>
             </a:r>
             <a:r>
               <a:rPr lang="ko-KR" altLang="en-US" sz="1200" b="1" dirty="0">
@@ -7058,27 +7048,7 @@
                   </a:schemeClr>
                 </a:solidFill>
               </a:rPr>
-              <a:t> 개발 </a:t>
-            </a:r>
-            <a:r>
-              <a:rPr lang="en-US" altLang="ko-KR" sz="1200" b="1" dirty="0">
-                <a:solidFill>
-                  <a:schemeClr val="accent6">
-                    <a:lumMod val="75000"/>
-                  </a:schemeClr>
-                </a:solidFill>
-              </a:rPr>
-              <a:t>(DB</a:t>
-            </a:r>
-            <a:r>
-              <a:rPr lang="ko-KR" altLang="en-US" sz="1200" b="1" dirty="0">
-                <a:solidFill>
-                  <a:schemeClr val="accent6">
-                    <a:lumMod val="75000"/>
-                  </a:schemeClr>
-                </a:solidFill>
-              </a:rPr>
-              <a:t>커서</a:t>
+              <a:t>커서 이용</a:t>
             </a:r>
             <a:r>
               <a:rPr lang="en-US" altLang="ko-KR" sz="1200" b="1" dirty="0">
